--- a/Презентация.pptx
+++ b/Презентация.pptx
@@ -285,7 +285,7 @@
           <a:p>
             <a:fld id="{24CE221E-83ED-4F6C-BA5F-3F9E6FDB6953}" type="datetimeFigureOut">
               <a:rPr lang="ru-RU" smtClean="0"/>
-              <a:t>26.12.2017</a:t>
+              <a:t>29.12.2017</a:t>
             </a:fld>
             <a:endParaRPr lang="ru-RU" dirty="0"/>
           </a:p>
@@ -450,7 +450,7 @@
           <a:p>
             <a:fld id="{97853E5F-CE67-483C-A264-F17AC70E9CA2}" type="datetimeFigureOut">
               <a:rPr lang="ru-RU" smtClean="0"/>
-              <a:t>26.12.2017</a:t>
+              <a:t>29.12.2017</a:t>
             </a:fld>
             <a:endParaRPr lang="ru-RU" dirty="0"/>
           </a:p>
@@ -886,7 +886,7 @@
           <a:p>
             <a:fld id="{3E0FA9E5-6744-4841-888F-9E7CC0C2B7EC}" type="datetimeFigureOut">
               <a:rPr lang="ru-RU" smtClean="0"/>
-              <a:t>26.12.2017</a:t>
+              <a:t>29.12.2017</a:t>
             </a:fld>
             <a:endParaRPr lang="ru-RU" dirty="0"/>
           </a:p>
@@ -1129,7 +1129,7 @@
             <a:fld id="{3E0FA9E5-6744-4841-888F-9E7CC0C2B7EC}" type="datetimeFigureOut">
               <a:rPr lang="ru-RU" smtClean="0"/>
               <a:pPr/>
-              <a:t>26.12.2017</a:t>
+              <a:t>29.12.2017</a:t>
             </a:fld>
             <a:endParaRPr lang="ru-RU" dirty="0"/>
           </a:p>
@@ -1313,7 +1313,7 @@
             <a:fld id="{3E0FA9E5-6744-4841-888F-9E7CC0C2B7EC}" type="datetimeFigureOut">
               <a:rPr lang="ru-RU" smtClean="0"/>
               <a:pPr/>
-              <a:t>26.12.2017</a:t>
+              <a:t>29.12.2017</a:t>
             </a:fld>
             <a:endParaRPr lang="ru-RU" dirty="0"/>
           </a:p>
@@ -1486,7 +1486,7 @@
           <a:p>
             <a:fld id="{3E0FA9E5-6744-4841-888F-9E7CC0C2B7EC}" type="datetimeFigureOut">
               <a:rPr lang="ru-RU" smtClean="0"/>
-              <a:t>26.12.2017</a:t>
+              <a:t>29.12.2017</a:t>
             </a:fld>
             <a:endParaRPr lang="ru-RU" dirty="0"/>
           </a:p>
@@ -1754,7 +1754,7 @@
           <a:p>
             <a:fld id="{3E0FA9E5-6744-4841-888F-9E7CC0C2B7EC}" type="datetimeFigureOut">
               <a:rPr lang="ru-RU" smtClean="0"/>
-              <a:t>26.12.2017</a:t>
+              <a:t>29.12.2017</a:t>
             </a:fld>
             <a:endParaRPr lang="ru-RU" dirty="0"/>
           </a:p>
@@ -2094,7 +2094,7 @@
           <a:p>
             <a:fld id="{3E0FA9E5-6744-4841-888F-9E7CC0C2B7EC}" type="datetimeFigureOut">
               <a:rPr lang="ru-RU" smtClean="0"/>
-              <a:t>26.12.2017</a:t>
+              <a:t>29.12.2017</a:t>
             </a:fld>
             <a:endParaRPr lang="ru-RU" dirty="0"/>
           </a:p>
@@ -2559,7 +2559,7 @@
           <a:p>
             <a:fld id="{3E0FA9E5-6744-4841-888F-9E7CC0C2B7EC}" type="datetimeFigureOut">
               <a:rPr lang="ru-RU" smtClean="0"/>
-              <a:t>26.12.2017</a:t>
+              <a:t>29.12.2017</a:t>
             </a:fld>
             <a:endParaRPr lang="ru-RU" dirty="0"/>
           </a:p>
@@ -2691,7 +2691,7 @@
           <a:p>
             <a:fld id="{3E0FA9E5-6744-4841-888F-9E7CC0C2B7EC}" type="datetimeFigureOut">
               <a:rPr lang="ru-RU" smtClean="0"/>
-              <a:t>26.12.2017</a:t>
+              <a:t>29.12.2017</a:t>
             </a:fld>
             <a:endParaRPr lang="ru-RU" dirty="0"/>
           </a:p>
@@ -2800,7 +2800,7 @@
           <a:p>
             <a:fld id="{3E0FA9E5-6744-4841-888F-9E7CC0C2B7EC}" type="datetimeFigureOut">
               <a:rPr lang="ru-RU" smtClean="0"/>
-              <a:t>26.12.2017</a:t>
+              <a:t>29.12.2017</a:t>
             </a:fld>
             <a:endParaRPr lang="ru-RU" dirty="0"/>
           </a:p>
@@ -3101,7 +3101,7 @@
           <a:p>
             <a:fld id="{3E0FA9E5-6744-4841-888F-9E7CC0C2B7EC}" type="datetimeFigureOut">
               <a:rPr lang="ru-RU" smtClean="0"/>
-              <a:t>26.12.2017</a:t>
+              <a:t>29.12.2017</a:t>
             </a:fld>
             <a:endParaRPr lang="ru-RU" dirty="0"/>
           </a:p>
@@ -3437,7 +3437,7 @@
           <a:p>
             <a:fld id="{0393231C-9702-6447-A881-5A9BAA4CB57E}" type="datetimeFigureOut">
               <a:rPr lang="ru-RU" smtClean="0"/>
-              <a:t>26.12.2017</a:t>
+              <a:t>29.12.2017</a:t>
             </a:fld>
             <a:endParaRPr lang="ru-RU"/>
           </a:p>
@@ -3706,7 +3706,7 @@
             <a:fld id="{3E0FA9E5-6744-4841-888F-9E7CC0C2B7EC}" type="datetimeFigureOut">
               <a:rPr lang="ru-RU" smtClean="0"/>
               <a:pPr/>
-              <a:t>26.12.2017</a:t>
+              <a:t>29.12.2017</a:t>
             </a:fld>
             <a:endParaRPr lang="ru-RU" dirty="0"/>
           </a:p>
@@ -4405,17 +4405,7 @@
                 <a:latin typeface="Helvetica" panose="020B0604020202020204" pitchFamily="34" charset="0"/>
                 <a:cs typeface="Helvetica" panose="020B0604020202020204" pitchFamily="34" charset="0"/>
               </a:rPr>
-              <a:t>Исполнитель </a:t>
-            </a:r>
-            <a:r>
-              <a:rPr lang="ru-RU" sz="1600" dirty="0" smtClean="0">
-                <a:solidFill>
-                  <a:schemeClr val="tx1"/>
-                </a:solidFill>
-                <a:latin typeface="Helvetica" panose="020B0604020202020204" pitchFamily="34" charset="0"/>
-                <a:cs typeface="Helvetica" panose="020B0604020202020204" pitchFamily="34" charset="0"/>
-              </a:rPr>
-              <a:t>курсового проекта </a:t>
+              <a:t>Исполнитель курсового проекта </a:t>
             </a:r>
             <a:r>
               <a:rPr lang="ru-RU" sz="1600" dirty="0" err="1" smtClean="0">
@@ -4584,6 +4574,40 @@
           <a:p>
             <a:pPr algn="ctr"/>
             <a:r>
+              <a:rPr lang="ru-RU" sz="2000" b="0" smtClean="0">
+                <a:solidFill>
+                  <a:schemeClr val="tx1"/>
+                </a:solidFill>
+                <a:effectLst>
+                  <a:outerShdw blurRad="38100" dist="38100" dir="2700000" algn="tl">
+                    <a:srgbClr val="000000">
+                      <a:alpha val="43137"/>
+                    </a:srgbClr>
+                  </a:outerShdw>
+                </a:effectLst>
+                <a:latin typeface="Helvetica" panose="020B0604020202020204" pitchFamily="34" charset="0"/>
+                <a:cs typeface="Helvetica" panose="020B0604020202020204" pitchFamily="34" charset="0"/>
+              </a:rPr>
+              <a:t>КОЛЛЕДЖ </a:t>
+            </a:r>
+            <a:r>
+              <a:rPr lang="ru-RU" sz="2000" b="0" smtClean="0">
+                <a:solidFill>
+                  <a:schemeClr val="tx1"/>
+                </a:solidFill>
+                <a:effectLst>
+                  <a:outerShdw blurRad="38100" dist="38100" dir="2700000" algn="tl">
+                    <a:srgbClr val="000000">
+                      <a:alpha val="43137"/>
+                    </a:srgbClr>
+                  </a:outerShdw>
+                </a:effectLst>
+                <a:latin typeface="Helvetica" panose="020B0604020202020204" pitchFamily="34" charset="0"/>
+                <a:cs typeface="Helvetica" panose="020B0604020202020204" pitchFamily="34" charset="0"/>
+              </a:rPr>
+              <a:t>ИНФОРМАТИКИ </a:t>
+            </a:r>
+            <a:r>
               <a:rPr lang="ru-RU" sz="2000" b="0" dirty="0" smtClean="0">
                 <a:solidFill>
                   <a:schemeClr val="tx1"/>
@@ -4598,7 +4622,7 @@
                 <a:latin typeface="Helvetica" panose="020B0604020202020204" pitchFamily="34" charset="0"/>
                 <a:cs typeface="Helvetica" panose="020B0604020202020204" pitchFamily="34" charset="0"/>
               </a:rPr>
-              <a:t>КОЛЛЕДЖ ИНФОРАТИКИ И ПРОГРАММИРОВАНИЯ</a:t>
+              <a:t>И ПРОГРАММИРОВАНИЯ</a:t>
             </a:r>
             <a:endParaRPr lang="ru-RU" sz="2000" b="0" dirty="0">
               <a:solidFill>
@@ -4925,11 +4949,11 @@
   <p:clrMapOvr>
     <a:masterClrMapping/>
   </p:clrMapOvr>
-  <mc:AlternateContent xmlns:mc="http://schemas.openxmlformats.org/markup-compatibility/2006">
-    <mc:Choice xmlns:p14="http://schemas.microsoft.com/office/powerpoint/2010/main" Requires="p14">
+  <mc:AlternateContent xmlns:mc="http://schemas.openxmlformats.org/markup-compatibility/2006" xmlns:p14="http://schemas.microsoft.com/office/powerpoint/2010/main">
+    <mc:Choice Requires="p14">
       <p:transition p14:dur="0"/>
     </mc:Choice>
-    <mc:Fallback>
+    <mc:Fallback xmlns="">
       <p:transition/>
     </mc:Fallback>
   </mc:AlternateContent>
@@ -5210,11 +5234,11 @@
   <p:clrMapOvr>
     <a:masterClrMapping/>
   </p:clrMapOvr>
-  <mc:AlternateContent xmlns:mc="http://schemas.openxmlformats.org/markup-compatibility/2006">
-    <mc:Choice xmlns:p14="http://schemas.microsoft.com/office/powerpoint/2010/main" Requires="p14">
+  <mc:AlternateContent xmlns:mc="http://schemas.openxmlformats.org/markup-compatibility/2006" xmlns:p14="http://schemas.microsoft.com/office/powerpoint/2010/main">
+    <mc:Choice Requires="p14">
       <p:transition p14:dur="0"/>
     </mc:Choice>
-    <mc:Fallback>
+    <mc:Fallback xmlns="">
       <p:transition/>
     </mc:Fallback>
   </mc:AlternateContent>
@@ -5321,11 +5345,7 @@
             </a:pPr>
             <a:r>
               <a:rPr lang="ru-RU" sz="2500" dirty="0" smtClean="0"/>
-              <a:t>В ходе разработки программы были получены и усовершенствованы навыки работы со следующими </a:t>
-            </a:r>
-            <a:r>
-              <a:rPr lang="ru-RU" sz="2500" dirty="0" smtClean="0"/>
-              <a:t>составляющими</a:t>
+              <a:t>В ходе разработки программы были получены и усовершенствованы навыки работы со следующими составляющими</a:t>
             </a:r>
             <a:r>
               <a:rPr lang="en-US" sz="2500" dirty="0" smtClean="0"/>
@@ -5503,11 +5523,11 @@
   <p:clrMapOvr>
     <a:masterClrMapping/>
   </p:clrMapOvr>
-  <mc:AlternateContent xmlns:mc="http://schemas.openxmlformats.org/markup-compatibility/2006">
-    <mc:Choice xmlns:p14="http://schemas.microsoft.com/office/powerpoint/2010/main" Requires="p14">
+  <mc:AlternateContent xmlns:mc="http://schemas.openxmlformats.org/markup-compatibility/2006" xmlns:p14="http://schemas.microsoft.com/office/powerpoint/2010/main">
+    <mc:Choice Requires="p14">
       <p:transition p14:dur="0"/>
     </mc:Choice>
-    <mc:Fallback>
+    <mc:Fallback xmlns="">
       <p:transition/>
     </mc:Fallback>
   </mc:AlternateContent>
@@ -5603,11 +5623,11 @@
   <p:clrMapOvr>
     <a:masterClrMapping/>
   </p:clrMapOvr>
-  <mc:AlternateContent xmlns:mc="http://schemas.openxmlformats.org/markup-compatibility/2006">
-    <mc:Choice xmlns:p14="http://schemas.microsoft.com/office/powerpoint/2010/main" Requires="p14">
+  <mc:AlternateContent xmlns:mc="http://schemas.openxmlformats.org/markup-compatibility/2006" xmlns:p14="http://schemas.microsoft.com/office/powerpoint/2010/main">
+    <mc:Choice Requires="p14">
       <p:transition p14:dur="0"/>
     </mc:Choice>
-    <mc:Fallback>
+    <mc:Fallback xmlns="">
       <p:transition/>
     </mc:Fallback>
   </mc:AlternateContent>
@@ -5757,18 +5777,7 @@
                 <a:cs typeface="Helvetica"/>
                 <a:hlinkClick r:id="rId3" action="ppaction://hlinksldjump"/>
               </a:rPr>
-              <a:t>Задачи </a:t>
-            </a:r>
-            <a:r>
-              <a:rPr lang="ru-RU" sz="2400" dirty="0" smtClean="0">
-                <a:solidFill>
-                  <a:srgbClr val="000000"/>
-                </a:solidFill>
-                <a:latin typeface="Helvetica"/>
-                <a:cs typeface="Helvetica"/>
-                <a:hlinkClick r:id="rId3" action="ppaction://hlinksldjump"/>
-              </a:rPr>
-              <a:t>курсового проекта</a:t>
+              <a:t>Задачи курсового проекта</a:t>
             </a:r>
             <a:endParaRPr lang="ru-RU" sz="2400" dirty="0" smtClean="0">
               <a:solidFill>
@@ -6155,11 +6164,11 @@
   <p:clrMapOvr>
     <a:masterClrMapping/>
   </p:clrMapOvr>
-  <mc:AlternateContent xmlns:mc="http://schemas.openxmlformats.org/markup-compatibility/2006">
-    <mc:Choice xmlns:p14="http://schemas.microsoft.com/office/powerpoint/2010/main" Requires="p14">
+  <mc:AlternateContent xmlns:mc="http://schemas.openxmlformats.org/markup-compatibility/2006" xmlns:p14="http://schemas.microsoft.com/office/powerpoint/2010/main">
+    <mc:Choice Requires="p14">
       <p:transition p14:dur="0"/>
     </mc:Choice>
-    <mc:Fallback>
+    <mc:Fallback xmlns="">
       <p:transition/>
     </mc:Fallback>
   </mc:AlternateContent>
@@ -6352,11 +6361,11 @@
   <p:clrMapOvr>
     <a:masterClrMapping/>
   </p:clrMapOvr>
-  <mc:AlternateContent xmlns:mc="http://schemas.openxmlformats.org/markup-compatibility/2006">
-    <mc:Choice xmlns:p14="http://schemas.microsoft.com/office/powerpoint/2010/main" Requires="p14">
+  <mc:AlternateContent xmlns:mc="http://schemas.openxmlformats.org/markup-compatibility/2006" xmlns:p14="http://schemas.microsoft.com/office/powerpoint/2010/main">
+    <mc:Choice Requires="p14">
       <p:transition p14:dur="0"/>
     </mc:Choice>
-    <mc:Fallback>
+    <mc:Fallback xmlns="">
       <p:transition/>
     </mc:Fallback>
   </mc:AlternateContent>
@@ -6614,11 +6623,11 @@
   <p:clrMapOvr>
     <a:masterClrMapping/>
   </p:clrMapOvr>
-  <mc:AlternateContent xmlns:mc="http://schemas.openxmlformats.org/markup-compatibility/2006">
-    <mc:Choice xmlns:p14="http://schemas.microsoft.com/office/powerpoint/2010/main" Requires="p14">
+  <mc:AlternateContent xmlns:mc="http://schemas.openxmlformats.org/markup-compatibility/2006" xmlns:p14="http://schemas.microsoft.com/office/powerpoint/2010/main">
+    <mc:Choice Requires="p14">
       <p:transition p14:dur="0"/>
     </mc:Choice>
-    <mc:Fallback>
+    <mc:Fallback xmlns="">
       <p:transition/>
     </mc:Fallback>
   </mc:AlternateContent>
@@ -6944,11 +6953,11 @@
   <p:clrMapOvr>
     <a:masterClrMapping/>
   </p:clrMapOvr>
-  <mc:AlternateContent xmlns:mc="http://schemas.openxmlformats.org/markup-compatibility/2006">
-    <mc:Choice xmlns:p14="http://schemas.microsoft.com/office/powerpoint/2010/main" Requires="p14">
+  <mc:AlternateContent xmlns:mc="http://schemas.openxmlformats.org/markup-compatibility/2006" xmlns:p14="http://schemas.microsoft.com/office/powerpoint/2010/main">
+    <mc:Choice Requires="p14">
       <p:transition p14:dur="0"/>
     </mc:Choice>
-    <mc:Fallback>
+    <mc:Fallback xmlns="">
       <p:transition/>
     </mc:Fallback>
   </mc:AlternateContent>
@@ -7145,11 +7154,11 @@
   <p:clrMapOvr>
     <a:masterClrMapping/>
   </p:clrMapOvr>
-  <mc:AlternateContent xmlns:mc="http://schemas.openxmlformats.org/markup-compatibility/2006">
-    <mc:Choice xmlns:p14="http://schemas.microsoft.com/office/powerpoint/2010/main" Requires="p14">
+  <mc:AlternateContent xmlns:mc="http://schemas.openxmlformats.org/markup-compatibility/2006" xmlns:p14="http://schemas.microsoft.com/office/powerpoint/2010/main">
+    <mc:Choice Requires="p14">
       <p:transition p14:dur="0"/>
     </mc:Choice>
-    <mc:Fallback>
+    <mc:Fallback xmlns="">
       <p:transition/>
     </mc:Fallback>
   </mc:AlternateContent>
@@ -7346,11 +7355,11 @@
   <p:clrMapOvr>
     <a:masterClrMapping/>
   </p:clrMapOvr>
-  <mc:AlternateContent xmlns:mc="http://schemas.openxmlformats.org/markup-compatibility/2006">
-    <mc:Choice xmlns:p14="http://schemas.microsoft.com/office/powerpoint/2010/main" Requires="p14">
+  <mc:AlternateContent xmlns:mc="http://schemas.openxmlformats.org/markup-compatibility/2006" xmlns:p14="http://schemas.microsoft.com/office/powerpoint/2010/main">
+    <mc:Choice Requires="p14">
       <p:transition p14:dur="0"/>
     </mc:Choice>
-    <mc:Fallback>
+    <mc:Fallback xmlns="">
       <p:transition/>
     </mc:Fallback>
   </mc:AlternateContent>
@@ -7547,11 +7556,11 @@
   <p:clrMapOvr>
     <a:masterClrMapping/>
   </p:clrMapOvr>
-  <mc:AlternateContent xmlns:mc="http://schemas.openxmlformats.org/markup-compatibility/2006">
-    <mc:Choice xmlns:p14="http://schemas.microsoft.com/office/powerpoint/2010/main" Requires="p14">
+  <mc:AlternateContent xmlns:mc="http://schemas.openxmlformats.org/markup-compatibility/2006" xmlns:p14="http://schemas.microsoft.com/office/powerpoint/2010/main">
+    <mc:Choice Requires="p14">
       <p:transition p14:dur="0"/>
     </mc:Choice>
-    <mc:Fallback>
+    <mc:Fallback xmlns="">
       <p:transition/>
     </mc:Fallback>
   </mc:AlternateContent>
@@ -7871,11 +7880,11 @@
   <p:clrMapOvr>
     <a:masterClrMapping/>
   </p:clrMapOvr>
-  <mc:AlternateContent xmlns:mc="http://schemas.openxmlformats.org/markup-compatibility/2006">
-    <mc:Choice xmlns:p14="http://schemas.microsoft.com/office/powerpoint/2010/main" Requires="p14">
+  <mc:AlternateContent xmlns:mc="http://schemas.openxmlformats.org/markup-compatibility/2006" xmlns:p14="http://schemas.microsoft.com/office/powerpoint/2010/main">
+    <mc:Choice Requires="p14">
       <p:transition p14:dur="0"/>
     </mc:Choice>
-    <mc:Fallback>
+    <mc:Fallback xmlns="">
       <p:transition/>
     </mc:Fallback>
   </mc:AlternateContent>

--- a/Презентация.pptx
+++ b/Презентация.pptx
@@ -285,7 +285,7 @@
           <a:p>
             <a:fld id="{24CE221E-83ED-4F6C-BA5F-3F9E6FDB6953}" type="datetimeFigureOut">
               <a:rPr lang="ru-RU" smtClean="0"/>
-              <a:t>29.12.2017</a:t>
+              <a:t>02.01.2018</a:t>
             </a:fld>
             <a:endParaRPr lang="ru-RU" dirty="0"/>
           </a:p>
@@ -450,7 +450,7 @@
           <a:p>
             <a:fld id="{97853E5F-CE67-483C-A264-F17AC70E9CA2}" type="datetimeFigureOut">
               <a:rPr lang="ru-RU" smtClean="0"/>
-              <a:t>29.12.2017</a:t>
+              <a:t>02.01.2018</a:t>
             </a:fld>
             <a:endParaRPr lang="ru-RU" dirty="0"/>
           </a:p>
@@ -886,7 +886,7 @@
           <a:p>
             <a:fld id="{3E0FA9E5-6744-4841-888F-9E7CC0C2B7EC}" type="datetimeFigureOut">
               <a:rPr lang="ru-RU" smtClean="0"/>
-              <a:t>29.12.2017</a:t>
+              <a:t>02.01.2018</a:t>
             </a:fld>
             <a:endParaRPr lang="ru-RU" dirty="0"/>
           </a:p>
@@ -1129,7 +1129,7 @@
             <a:fld id="{3E0FA9E5-6744-4841-888F-9E7CC0C2B7EC}" type="datetimeFigureOut">
               <a:rPr lang="ru-RU" smtClean="0"/>
               <a:pPr/>
-              <a:t>29.12.2017</a:t>
+              <a:t>02.01.2018</a:t>
             </a:fld>
             <a:endParaRPr lang="ru-RU" dirty="0"/>
           </a:p>
@@ -1313,7 +1313,7 @@
             <a:fld id="{3E0FA9E5-6744-4841-888F-9E7CC0C2B7EC}" type="datetimeFigureOut">
               <a:rPr lang="ru-RU" smtClean="0"/>
               <a:pPr/>
-              <a:t>29.12.2017</a:t>
+              <a:t>02.01.2018</a:t>
             </a:fld>
             <a:endParaRPr lang="ru-RU" dirty="0"/>
           </a:p>
@@ -1486,7 +1486,7 @@
           <a:p>
             <a:fld id="{3E0FA9E5-6744-4841-888F-9E7CC0C2B7EC}" type="datetimeFigureOut">
               <a:rPr lang="ru-RU" smtClean="0"/>
-              <a:t>29.12.2017</a:t>
+              <a:t>02.01.2018</a:t>
             </a:fld>
             <a:endParaRPr lang="ru-RU" dirty="0"/>
           </a:p>
@@ -1754,7 +1754,7 @@
           <a:p>
             <a:fld id="{3E0FA9E5-6744-4841-888F-9E7CC0C2B7EC}" type="datetimeFigureOut">
               <a:rPr lang="ru-RU" smtClean="0"/>
-              <a:t>29.12.2017</a:t>
+              <a:t>02.01.2018</a:t>
             </a:fld>
             <a:endParaRPr lang="ru-RU" dirty="0"/>
           </a:p>
@@ -2094,7 +2094,7 @@
           <a:p>
             <a:fld id="{3E0FA9E5-6744-4841-888F-9E7CC0C2B7EC}" type="datetimeFigureOut">
               <a:rPr lang="ru-RU" smtClean="0"/>
-              <a:t>29.12.2017</a:t>
+              <a:t>02.01.2018</a:t>
             </a:fld>
             <a:endParaRPr lang="ru-RU" dirty="0"/>
           </a:p>
@@ -2559,7 +2559,7 @@
           <a:p>
             <a:fld id="{3E0FA9E5-6744-4841-888F-9E7CC0C2B7EC}" type="datetimeFigureOut">
               <a:rPr lang="ru-RU" smtClean="0"/>
-              <a:t>29.12.2017</a:t>
+              <a:t>02.01.2018</a:t>
             </a:fld>
             <a:endParaRPr lang="ru-RU" dirty="0"/>
           </a:p>
@@ -2691,7 +2691,7 @@
           <a:p>
             <a:fld id="{3E0FA9E5-6744-4841-888F-9E7CC0C2B7EC}" type="datetimeFigureOut">
               <a:rPr lang="ru-RU" smtClean="0"/>
-              <a:t>29.12.2017</a:t>
+              <a:t>02.01.2018</a:t>
             </a:fld>
             <a:endParaRPr lang="ru-RU" dirty="0"/>
           </a:p>
@@ -2800,7 +2800,7 @@
           <a:p>
             <a:fld id="{3E0FA9E5-6744-4841-888F-9E7CC0C2B7EC}" type="datetimeFigureOut">
               <a:rPr lang="ru-RU" smtClean="0"/>
-              <a:t>29.12.2017</a:t>
+              <a:t>02.01.2018</a:t>
             </a:fld>
             <a:endParaRPr lang="ru-RU" dirty="0"/>
           </a:p>
@@ -3101,7 +3101,7 @@
           <a:p>
             <a:fld id="{3E0FA9E5-6744-4841-888F-9E7CC0C2B7EC}" type="datetimeFigureOut">
               <a:rPr lang="ru-RU" smtClean="0"/>
-              <a:t>29.12.2017</a:t>
+              <a:t>02.01.2018</a:t>
             </a:fld>
             <a:endParaRPr lang="ru-RU" dirty="0"/>
           </a:p>
@@ -3437,7 +3437,7 @@
           <a:p>
             <a:fld id="{0393231C-9702-6447-A881-5A9BAA4CB57E}" type="datetimeFigureOut">
               <a:rPr lang="ru-RU" smtClean="0"/>
-              <a:t>29.12.2017</a:t>
+              <a:t>02.01.2018</a:t>
             </a:fld>
             <a:endParaRPr lang="ru-RU"/>
           </a:p>
@@ -3706,7 +3706,7 @@
             <a:fld id="{3E0FA9E5-6744-4841-888F-9E7CC0C2B7EC}" type="datetimeFigureOut">
               <a:rPr lang="ru-RU" smtClean="0"/>
               <a:pPr/>
-              <a:t>29.12.2017</a:t>
+              <a:t>02.01.2018</a:t>
             </a:fld>
             <a:endParaRPr lang="ru-RU" dirty="0"/>
           </a:p>
@@ -4588,24 +4588,7 @@
                 <a:latin typeface="Helvetica" panose="020B0604020202020204" pitchFamily="34" charset="0"/>
                 <a:cs typeface="Helvetica" panose="020B0604020202020204" pitchFamily="34" charset="0"/>
               </a:rPr>
-              <a:t>КОЛЛЕДЖ </a:t>
-            </a:r>
-            <a:r>
-              <a:rPr lang="ru-RU" sz="2000" b="0" smtClean="0">
-                <a:solidFill>
-                  <a:schemeClr val="tx1"/>
-                </a:solidFill>
-                <a:effectLst>
-                  <a:outerShdw blurRad="38100" dist="38100" dir="2700000" algn="tl">
-                    <a:srgbClr val="000000">
-                      <a:alpha val="43137"/>
-                    </a:srgbClr>
-                  </a:outerShdw>
-                </a:effectLst>
-                <a:latin typeface="Helvetica" panose="020B0604020202020204" pitchFamily="34" charset="0"/>
-                <a:cs typeface="Helvetica" panose="020B0604020202020204" pitchFamily="34" charset="0"/>
-              </a:rPr>
-              <a:t>ИНФОРМАТИКИ </a:t>
+              <a:t>КОЛЛЕДЖ ИНФОРМАТИКИ </a:t>
             </a:r>
             <a:r>
               <a:rPr lang="ru-RU" sz="2000" b="0" dirty="0" smtClean="0">
@@ -4917,7 +4900,7 @@
                 <a:latin typeface="Helvetica" panose="020B0604020202020204" pitchFamily="34" charset="0"/>
                 <a:cs typeface="Helvetica" panose="020B0604020202020204" pitchFamily="34" charset="0"/>
               </a:rPr>
-              <a:t>2017</a:t>
+              <a:t>201</a:t>
             </a:r>
             <a:r>
               <a:rPr lang="ru-RU" sz="1800" dirty="0" smtClean="0">
@@ -4927,7 +4910,7 @@
                 <a:latin typeface="Helvetica" panose="020B0604020202020204" pitchFamily="34" charset="0"/>
                 <a:cs typeface="Helvetica" panose="020B0604020202020204" pitchFamily="34" charset="0"/>
               </a:rPr>
-              <a:t> </a:t>
+              <a:t>8 </a:t>
             </a:r>
             <a:endParaRPr lang="ru-RU" sz="1800" dirty="0">
               <a:solidFill>
